--- a/Slides/SEM Day 3.pptx
+++ b/Slides/SEM Day 3.pptx
@@ -167,10 +167,25 @@
   <pc:docChgLst>
     <pc:chgData name="Sarah Gardner" userId="f2f620d415005349" providerId="LiveId" clId="{94A0D878-2482-4BF4-AE53-8C3AA79BF9F7}"/>
     <pc:docChg chg="delSld modSld">
-      <pc:chgData name="Sarah Gardner" userId="f2f620d415005349" providerId="LiveId" clId="{94A0D878-2482-4BF4-AE53-8C3AA79BF9F7}" dt="2022-09-13T16:42:40.618" v="4" actId="2696"/>
+      <pc:chgData name="Sarah Gardner" userId="f2f620d415005349" providerId="LiveId" clId="{94A0D878-2482-4BF4-AE53-8C3AA79BF9F7}" dt="2022-09-13T16:43:41.439" v="5"/>
       <pc:docMkLst>
         <pc:docMk/>
       </pc:docMkLst>
+      <pc:sldChg chg="modSp mod">
+        <pc:chgData name="Sarah Gardner" userId="f2f620d415005349" providerId="LiveId" clId="{94A0D878-2482-4BF4-AE53-8C3AA79BF9F7}" dt="2022-09-13T16:43:41.439" v="5"/>
+        <pc:sldMkLst>
+          <pc:docMk/>
+          <pc:sldMk cId="1909690533" sldId="294"/>
+        </pc:sldMkLst>
+        <pc:spChg chg="mod">
+          <ac:chgData name="Sarah Gardner" userId="f2f620d415005349" providerId="LiveId" clId="{94A0D878-2482-4BF4-AE53-8C3AA79BF9F7}" dt="2022-09-13T16:43:41.439" v="5"/>
+          <ac:spMkLst>
+            <pc:docMk/>
+            <pc:sldMk cId="1909690533" sldId="294"/>
+            <ac:spMk id="2" creationId="{C5ADBE80-96A3-4B6B-80CF-4A081A009D82}"/>
+          </ac:spMkLst>
+        </pc:spChg>
+      </pc:sldChg>
       <pc:sldChg chg="modSp del mod">
         <pc:chgData name="Sarah Gardner" userId="f2f620d415005349" providerId="LiveId" clId="{94A0D878-2482-4BF4-AE53-8C3AA79BF9F7}" dt="2022-09-13T16:42:40.618" v="4" actId="2696"/>
         <pc:sldMkLst>
@@ -38201,14 +38216,8 @@
               <a:buNone/>
             </a:pPr>
             <a:r>
-              <a:rPr lang="en-GB">
-                <a:hlinkClick r:id="rId2"/>
-              </a:rPr>
-              <a:t>https://github.com/sarah-gardner/shu-sem-2022.git</a:t>
-            </a:r>
-            <a:r>
-              <a:rPr lang="en-GB"/>
-              <a:t> </a:t>
+              <a:rPr lang="en-GB" dirty="0"/>
+              <a:t>https://github.com/sarah-gardner/shu-day3-sept22</a:t>
             </a:r>
           </a:p>
         </p:txBody>
